--- a/xaringan_stuff/img/r_geocomp_background.pptx
+++ b/xaringan_stuff/img/r_geocomp_background.pptx
@@ -1,6 +1,6 @@
 
 <file path=ppt/presentation.xml><?xml version="1.0" encoding="utf-8"?>
-<p:presentation xmlns:a="http://schemas.openxmlformats.org/drawingml/2006/main" xmlns:r="http://schemas.openxmlformats.org/officeDocument/2006/relationships" xmlns:p="http://schemas.openxmlformats.org/presentationml/2006/main" saveSubsetFonts="1">
+<p:presentation xmlns:a="http://schemas.openxmlformats.org/drawingml/2006/main" xmlns:r="http://schemas.openxmlformats.org/officeDocument/2006/relationships" xmlns:p="http://schemas.openxmlformats.org/presentationml/2006/main" saveSubsetFonts="1" autoCompressPictures="0">
   <p:sldMasterIdLst>
     <p:sldMasterId id="2147483660" r:id="rId1"/>
   </p:sldMasterIdLst>
@@ -243,7 +243,7 @@
           <a:p>
             <a:fld id="{C6515E37-5E3E-4C69-9ECA-8D6F7AF585EB}" type="datetimeFigureOut">
               <a:rPr lang="de-DE" smtClean="0"/>
-              <a:t>07.05.2018</a:t>
+              <a:t>03.08.2018</a:t>
             </a:fld>
             <a:endParaRPr lang="de-DE"/>
           </a:p>
@@ -413,7 +413,7 @@
           <a:p>
             <a:fld id="{C6515E37-5E3E-4C69-9ECA-8D6F7AF585EB}" type="datetimeFigureOut">
               <a:rPr lang="de-DE" smtClean="0"/>
-              <a:t>07.05.2018</a:t>
+              <a:t>03.08.2018</a:t>
             </a:fld>
             <a:endParaRPr lang="de-DE"/>
           </a:p>
@@ -593,7 +593,7 @@
           <a:p>
             <a:fld id="{C6515E37-5E3E-4C69-9ECA-8D6F7AF585EB}" type="datetimeFigureOut">
               <a:rPr lang="de-DE" smtClean="0"/>
-              <a:t>07.05.2018</a:t>
+              <a:t>03.08.2018</a:t>
             </a:fld>
             <a:endParaRPr lang="de-DE"/>
           </a:p>
@@ -763,7 +763,7 @@
           <a:p>
             <a:fld id="{C6515E37-5E3E-4C69-9ECA-8D6F7AF585EB}" type="datetimeFigureOut">
               <a:rPr lang="de-DE" smtClean="0"/>
-              <a:t>07.05.2018</a:t>
+              <a:t>03.08.2018</a:t>
             </a:fld>
             <a:endParaRPr lang="de-DE"/>
           </a:p>
@@ -1007,7 +1007,7 @@
           <a:p>
             <a:fld id="{C6515E37-5E3E-4C69-9ECA-8D6F7AF585EB}" type="datetimeFigureOut">
               <a:rPr lang="de-DE" smtClean="0"/>
-              <a:t>07.05.2018</a:t>
+              <a:t>03.08.2018</a:t>
             </a:fld>
             <a:endParaRPr lang="de-DE"/>
           </a:p>
@@ -1239,7 +1239,7 @@
           <a:p>
             <a:fld id="{C6515E37-5E3E-4C69-9ECA-8D6F7AF585EB}" type="datetimeFigureOut">
               <a:rPr lang="de-DE" smtClean="0"/>
-              <a:t>07.05.2018</a:t>
+              <a:t>03.08.2018</a:t>
             </a:fld>
             <a:endParaRPr lang="de-DE"/>
           </a:p>
@@ -1606,7 +1606,7 @@
           <a:p>
             <a:fld id="{C6515E37-5E3E-4C69-9ECA-8D6F7AF585EB}" type="datetimeFigureOut">
               <a:rPr lang="de-DE" smtClean="0"/>
-              <a:t>07.05.2018</a:t>
+              <a:t>03.08.2018</a:t>
             </a:fld>
             <a:endParaRPr lang="de-DE"/>
           </a:p>
@@ -1724,7 +1724,7 @@
           <a:p>
             <a:fld id="{C6515E37-5E3E-4C69-9ECA-8D6F7AF585EB}" type="datetimeFigureOut">
               <a:rPr lang="de-DE" smtClean="0"/>
-              <a:t>07.05.2018</a:t>
+              <a:t>03.08.2018</a:t>
             </a:fld>
             <a:endParaRPr lang="de-DE"/>
           </a:p>
@@ -1819,7 +1819,7 @@
           <a:p>
             <a:fld id="{C6515E37-5E3E-4C69-9ECA-8D6F7AF585EB}" type="datetimeFigureOut">
               <a:rPr lang="de-DE" smtClean="0"/>
-              <a:t>07.05.2018</a:t>
+              <a:t>03.08.2018</a:t>
             </a:fld>
             <a:endParaRPr lang="de-DE"/>
           </a:p>
@@ -2096,7 +2096,7 @@
           <a:p>
             <a:fld id="{C6515E37-5E3E-4C69-9ECA-8D6F7AF585EB}" type="datetimeFigureOut">
               <a:rPr lang="de-DE" smtClean="0"/>
-              <a:t>07.05.2018</a:t>
+              <a:t>03.08.2018</a:t>
             </a:fld>
             <a:endParaRPr lang="de-DE"/>
           </a:p>
@@ -2353,7 +2353,7 @@
           <a:p>
             <a:fld id="{C6515E37-5E3E-4C69-9ECA-8D6F7AF585EB}" type="datetimeFigureOut">
               <a:rPr lang="de-DE" smtClean="0"/>
-              <a:t>07.05.2018</a:t>
+              <a:t>03.08.2018</a:t>
             </a:fld>
             <a:endParaRPr lang="de-DE"/>
           </a:p>
@@ -2566,7 +2566,7 @@
           <a:p>
             <a:fld id="{C6515E37-5E3E-4C69-9ECA-8D6F7AF585EB}" type="datetimeFigureOut">
               <a:rPr lang="de-DE" smtClean="0"/>
-              <a:t>07.05.2018</a:t>
+              <a:t>03.08.2018</a:t>
             </a:fld>
             <a:endParaRPr lang="de-DE"/>
           </a:p>
@@ -2973,14 +2973,14 @@
       </p:grpSpPr>
       <p:pic>
         <p:nvPicPr>
-          <p:cNvPr id="8" name="Grafik 7"/>
+          <p:cNvPr id="3" name="Grafik 2"/>
           <p:cNvPicPr>
             <a:picLocks noChangeAspect="1"/>
           </p:cNvPicPr>
           <p:nvPr/>
         </p:nvPicPr>
         <p:blipFill>
-          <a:blip r:embed="rId2" cstate="print">
+          <a:blip r:embed="rId2">
             <a:extLst>
               <a:ext uri="{28A0092B-C50C-407E-A947-70E740481C1C}">
                 <a14:useLocalDpi xmlns:a14="http://schemas.microsoft.com/office/drawing/2010/main" val="0"/>
@@ -2993,38 +2993,8 @@
         </p:blipFill>
         <p:spPr>
           <a:xfrm>
-            <a:off x="7801811" y="332874"/>
-            <a:ext cx="656049" cy="656049"/>
-          </a:xfrm>
-          <a:prstGeom prst="rect">
-            <a:avLst/>
-          </a:prstGeom>
-        </p:spPr>
-      </p:pic>
-      <p:pic>
-        <p:nvPicPr>
-          <p:cNvPr id="7" name="Grafik 6"/>
-          <p:cNvPicPr>
-            <a:picLocks noChangeAspect="1"/>
-          </p:cNvPicPr>
-          <p:nvPr/>
-        </p:nvPicPr>
-        <p:blipFill>
-          <a:blip r:embed="rId3">
-            <a:extLst>
-              <a:ext uri="{28A0092B-C50C-407E-A947-70E740481C1C}">
-                <a14:useLocalDpi xmlns:a14="http://schemas.microsoft.com/office/drawing/2010/main" val="0"/>
-              </a:ext>
-            </a:extLst>
-          </a:blip>
-          <a:stretch>
-            <a:fillRect/>
-          </a:stretch>
-        </p:blipFill>
-        <p:spPr>
-          <a:xfrm>
-            <a:off x="8129835" y="560485"/>
-            <a:ext cx="780356" cy="603556"/>
+            <a:off x="7864645" y="133683"/>
+            <a:ext cx="1143000" cy="1143000"/>
           </a:xfrm>
           <a:prstGeom prst="rect">
             <a:avLst/>
